--- a/doc/Vis.pptx
+++ b/doc/Vis.pptx
@@ -1,116 +1,3 @@
-
-<file path=ppt/presentation.xml><?xml version="1.0" encoding="utf-8"?>
-<p:presentation xmlns:a="http://schemas.openxmlformats.org/drawingml/2006/main" xmlns:r="http://schemas.openxmlformats.org/officeDocument/2006/relationships" xmlns:p="http://schemas.openxmlformats.org/presentationml/2006/main" saveSubsetFonts="1">
-  <p:sldMasterIdLst>
-    <p:sldMasterId id="2147483648" r:id="rId1"/>
-  </p:sldMasterIdLst>
-  <p:sldIdLst>
-    <p:sldId id="256" r:id="rId2"/>
-  </p:sldIdLst>
-  <p:sldSz cx="12192000" cy="6858000"/>
-  <p:notesSz cx="6858000" cy="9144000"/>
-  <p:defaultTextStyle>
-    <a:defPPr>
-      <a:defRPr lang="ru-RU"/>
-    </a:defPPr>
-    <a:lvl1pPr marL="0" algn="l" defTabSz="914400" rtl="0" eaLnBrk="1" latinLnBrk="0" hangingPunct="1">
-      <a:defRPr sz="1800" kern="1200">
-        <a:solidFill>
-          <a:schemeClr val="tx1"/>
-        </a:solidFill>
-        <a:latin typeface="+mn-lt"/>
-        <a:ea typeface="+mn-ea"/>
-        <a:cs typeface="+mn-cs"/>
-      </a:defRPr>
-    </a:lvl1pPr>
-    <a:lvl2pPr marL="457200" algn="l" defTabSz="914400" rtl="0" eaLnBrk="1" latinLnBrk="0" hangingPunct="1">
-      <a:defRPr sz="1800" kern="1200">
-        <a:solidFill>
-          <a:schemeClr val="tx1"/>
-        </a:solidFill>
-        <a:latin typeface="+mn-lt"/>
-        <a:ea typeface="+mn-ea"/>
-        <a:cs typeface="+mn-cs"/>
-      </a:defRPr>
-    </a:lvl2pPr>
-    <a:lvl3pPr marL="914400" algn="l" defTabSz="914400" rtl="0" eaLnBrk="1" latinLnBrk="0" hangingPunct="1">
-      <a:defRPr sz="1800" kern="1200">
-        <a:solidFill>
-          <a:schemeClr val="tx1"/>
-        </a:solidFill>
-        <a:latin typeface="+mn-lt"/>
-        <a:ea typeface="+mn-ea"/>
-        <a:cs typeface="+mn-cs"/>
-      </a:defRPr>
-    </a:lvl3pPr>
-    <a:lvl4pPr marL="1371600" algn="l" defTabSz="914400" rtl="0" eaLnBrk="1" latinLnBrk="0" hangingPunct="1">
-      <a:defRPr sz="1800" kern="1200">
-        <a:solidFill>
-          <a:schemeClr val="tx1"/>
-        </a:solidFill>
-        <a:latin typeface="+mn-lt"/>
-        <a:ea typeface="+mn-ea"/>
-        <a:cs typeface="+mn-cs"/>
-      </a:defRPr>
-    </a:lvl4pPr>
-    <a:lvl5pPr marL="1828800" algn="l" defTabSz="914400" rtl="0" eaLnBrk="1" latinLnBrk="0" hangingPunct="1">
-      <a:defRPr sz="1800" kern="1200">
-        <a:solidFill>
-          <a:schemeClr val="tx1"/>
-        </a:solidFill>
-        <a:latin typeface="+mn-lt"/>
-        <a:ea typeface="+mn-ea"/>
-        <a:cs typeface="+mn-cs"/>
-      </a:defRPr>
-    </a:lvl5pPr>
-    <a:lvl6pPr marL="2286000" algn="l" defTabSz="914400" rtl="0" eaLnBrk="1" latinLnBrk="0" hangingPunct="1">
-      <a:defRPr sz="1800" kern="1200">
-        <a:solidFill>
-          <a:schemeClr val="tx1"/>
-        </a:solidFill>
-        <a:latin typeface="+mn-lt"/>
-        <a:ea typeface="+mn-ea"/>
-        <a:cs typeface="+mn-cs"/>
-      </a:defRPr>
-    </a:lvl6pPr>
-    <a:lvl7pPr marL="2743200" algn="l" defTabSz="914400" rtl="0" eaLnBrk="1" latinLnBrk="0" hangingPunct="1">
-      <a:defRPr sz="1800" kern="1200">
-        <a:solidFill>
-          <a:schemeClr val="tx1"/>
-        </a:solidFill>
-        <a:latin typeface="+mn-lt"/>
-        <a:ea typeface="+mn-ea"/>
-        <a:cs typeface="+mn-cs"/>
-      </a:defRPr>
-    </a:lvl7pPr>
-    <a:lvl8pPr marL="3200400" algn="l" defTabSz="914400" rtl="0" eaLnBrk="1" latinLnBrk="0" hangingPunct="1">
-      <a:defRPr sz="1800" kern="1200">
-        <a:solidFill>
-          <a:schemeClr val="tx1"/>
-        </a:solidFill>
-        <a:latin typeface="+mn-lt"/>
-        <a:ea typeface="+mn-ea"/>
-        <a:cs typeface="+mn-cs"/>
-      </a:defRPr>
-    </a:lvl8pPr>
-    <a:lvl9pPr marL="3657600" algn="l" defTabSz="914400" rtl="0" eaLnBrk="1" latinLnBrk="0" hangingPunct="1">
-      <a:defRPr sz="1800" kern="1200">
-        <a:solidFill>
-          <a:schemeClr val="tx1"/>
-        </a:solidFill>
-        <a:latin typeface="+mn-lt"/>
-        <a:ea typeface="+mn-ea"/>
-        <a:cs typeface="+mn-cs"/>
-      </a:defRPr>
-    </a:lvl9pPr>
-  </p:defaultTextStyle>
-  <p:extLst>
-    <p:ext uri="{EFAFB233-063F-42B5-8137-9DF3F51BA10A}">
-      <p15:sldGuideLst xmlns:p15="http://schemas.microsoft.com/office/powerpoint/2012/main"/>
-    </p:ext>
-  </p:extLst>
-</p:presentation>
-</file>
 
 <file path=ppt/slideLayouts/slideLayout1.xml><?xml version="1.0" encoding="utf-8"?>
 <p:sldLayout xmlns:a="http://schemas.openxmlformats.org/drawingml/2006/main" xmlns:r="http://schemas.openxmlformats.org/officeDocument/2006/relationships" xmlns:p="http://schemas.openxmlformats.org/presentationml/2006/main" type="title" preserve="1">
@@ -295,356 +182,6 @@
     <p:extLst>
       <p:ext uri="{BB962C8B-B14F-4D97-AF65-F5344CB8AC3E}">
         <p14:creationId xmlns:p14="http://schemas.microsoft.com/office/powerpoint/2010/main" val="3050552223"/>
-      </p:ext>
-    </p:extLst>
-  </p:cSld>
-  <p:clrMapOvr>
-    <a:masterClrMapping/>
-  </p:clrMapOvr>
-</p:sldLayout>
-</file>
-
-<file path=ppt/slideLayouts/slideLayout10.xml><?xml version="1.0" encoding="utf-8"?>
-<p:sldLayout xmlns:a="http://schemas.openxmlformats.org/drawingml/2006/main" xmlns:r="http://schemas.openxmlformats.org/officeDocument/2006/relationships" xmlns:p="http://schemas.openxmlformats.org/presentationml/2006/main" type="vertTx" preserve="1">
-  <p:cSld name="Заголовок и вертикальный текст">
-    <p:spTree>
-      <p:nvGrpSpPr>
-        <p:cNvPr id="1" name=""/>
-        <p:cNvGrpSpPr/>
-        <p:nvPr/>
-      </p:nvGrpSpPr>
-      <p:grpSpPr>
-        <a:xfrm>
-          <a:off x="0" y="0"/>
-          <a:ext cx="0" cy="0"/>
-          <a:chOff x="0" y="0"/>
-          <a:chExt cx="0" cy="0"/>
-        </a:xfrm>
-      </p:grpSpPr>
-      <p:sp>
-        <p:nvSpPr>
-          <p:cNvPr id="2" name="Заголовок 1"/>
-          <p:cNvSpPr>
-            <a:spLocks noGrp="1"/>
-          </p:cNvSpPr>
-          <p:nvPr>
-            <p:ph type="title"/>
-          </p:nvPr>
-        </p:nvSpPr>
-        <p:spPr/>
-        <p:txBody>
-          <a:bodyPr/>
-          <a:lstStyle/>
-          <a:p>
-            <a:r>
-              <a:rPr lang="ru-RU" smtClean="0"/>
-              <a:t>Образец заголовка</a:t>
-            </a:r>
-            <a:endParaRPr lang="ru-RU"/>
-          </a:p>
-        </p:txBody>
-      </p:sp>
-      <p:sp>
-        <p:nvSpPr>
-          <p:cNvPr id="3" name="Вертикальный текст 2"/>
-          <p:cNvSpPr>
-            <a:spLocks noGrp="1"/>
-          </p:cNvSpPr>
-          <p:nvPr>
-            <p:ph type="body" orient="vert" idx="1"/>
-          </p:nvPr>
-        </p:nvSpPr>
-        <p:spPr/>
-        <p:txBody>
-          <a:bodyPr vert="eaVert"/>
-          <a:lstStyle/>
-          <a:p>
-            <a:pPr lvl="0"/>
-            <a:r>
-              <a:rPr lang="ru-RU" smtClean="0"/>
-              <a:t>Образец текста</a:t>
-            </a:r>
-          </a:p>
-          <a:p>
-            <a:pPr lvl="1"/>
-            <a:r>
-              <a:rPr lang="ru-RU" smtClean="0"/>
-              <a:t>Второй уровень</a:t>
-            </a:r>
-          </a:p>
-          <a:p>
-            <a:pPr lvl="2"/>
-            <a:r>
-              <a:rPr lang="ru-RU" smtClean="0"/>
-              <a:t>Третий уровень</a:t>
-            </a:r>
-          </a:p>
-          <a:p>
-            <a:pPr lvl="3"/>
-            <a:r>
-              <a:rPr lang="ru-RU" smtClean="0"/>
-              <a:t>Четвертый уровень</a:t>
-            </a:r>
-          </a:p>
-          <a:p>
-            <a:pPr lvl="4"/>
-            <a:r>
-              <a:rPr lang="ru-RU" smtClean="0"/>
-              <a:t>Пятый уровень</a:t>
-            </a:r>
-            <a:endParaRPr lang="ru-RU"/>
-          </a:p>
-        </p:txBody>
-      </p:sp>
-      <p:sp>
-        <p:nvSpPr>
-          <p:cNvPr id="4" name="Дата 3"/>
-          <p:cNvSpPr>
-            <a:spLocks noGrp="1"/>
-          </p:cNvSpPr>
-          <p:nvPr>
-            <p:ph type="dt" sz="half" idx="10"/>
-          </p:nvPr>
-        </p:nvSpPr>
-        <p:spPr/>
-        <p:txBody>
-          <a:bodyPr/>
-          <a:lstStyle/>
-          <a:p>
-            <a:fld id="{664AF2A2-4D9C-46C3-93C3-53C18D916633}" type="datetimeFigureOut">
-              <a:rPr lang="ru-RU" smtClean="0"/>
-              <a:t>23.01.2019</a:t>
-            </a:fld>
-            <a:endParaRPr lang="ru-RU"/>
-          </a:p>
-        </p:txBody>
-      </p:sp>
-      <p:sp>
-        <p:nvSpPr>
-          <p:cNvPr id="5" name="Нижний колонтитул 4"/>
-          <p:cNvSpPr>
-            <a:spLocks noGrp="1"/>
-          </p:cNvSpPr>
-          <p:nvPr>
-            <p:ph type="ftr" sz="quarter" idx="11"/>
-          </p:nvPr>
-        </p:nvSpPr>
-        <p:spPr/>
-        <p:txBody>
-          <a:bodyPr/>
-          <a:lstStyle/>
-          <a:p>
-            <a:endParaRPr lang="ru-RU"/>
-          </a:p>
-        </p:txBody>
-      </p:sp>
-      <p:sp>
-        <p:nvSpPr>
-          <p:cNvPr id="6" name="Номер слайда 5"/>
-          <p:cNvSpPr>
-            <a:spLocks noGrp="1"/>
-          </p:cNvSpPr>
-          <p:nvPr>
-            <p:ph type="sldNum" sz="quarter" idx="12"/>
-          </p:nvPr>
-        </p:nvSpPr>
-        <p:spPr/>
-        <p:txBody>
-          <a:bodyPr/>
-          <a:lstStyle/>
-          <a:p>
-            <a:fld id="{01F9AC60-B8F2-473C-AF26-AAB09B3162D9}" type="slidenum">
-              <a:rPr lang="ru-RU" smtClean="0"/>
-              <a:t>‹#›</a:t>
-            </a:fld>
-            <a:endParaRPr lang="ru-RU"/>
-          </a:p>
-        </p:txBody>
-      </p:sp>
-    </p:spTree>
-    <p:extLst>
-      <p:ext uri="{BB962C8B-B14F-4D97-AF65-F5344CB8AC3E}">
-        <p14:creationId xmlns:p14="http://schemas.microsoft.com/office/powerpoint/2010/main" val="1476785206"/>
-      </p:ext>
-    </p:extLst>
-  </p:cSld>
-  <p:clrMapOvr>
-    <a:masterClrMapping/>
-  </p:clrMapOvr>
-</p:sldLayout>
-</file>
-
-<file path=ppt/slideLayouts/slideLayout11.xml><?xml version="1.0" encoding="utf-8"?>
-<p:sldLayout xmlns:a="http://schemas.openxmlformats.org/drawingml/2006/main" xmlns:r="http://schemas.openxmlformats.org/officeDocument/2006/relationships" xmlns:p="http://schemas.openxmlformats.org/presentationml/2006/main" type="vertTitleAndTx" preserve="1">
-  <p:cSld name="Вертикальный заголовок и текст">
-    <p:spTree>
-      <p:nvGrpSpPr>
-        <p:cNvPr id="1" name=""/>
-        <p:cNvGrpSpPr/>
-        <p:nvPr/>
-      </p:nvGrpSpPr>
-      <p:grpSpPr>
-        <a:xfrm>
-          <a:off x="0" y="0"/>
-          <a:ext cx="0" cy="0"/>
-          <a:chOff x="0" y="0"/>
-          <a:chExt cx="0" cy="0"/>
-        </a:xfrm>
-      </p:grpSpPr>
-      <p:sp>
-        <p:nvSpPr>
-          <p:cNvPr id="2" name="Вертикальный заголовок 1"/>
-          <p:cNvSpPr>
-            <a:spLocks noGrp="1"/>
-          </p:cNvSpPr>
-          <p:nvPr>
-            <p:ph type="title" orient="vert"/>
-          </p:nvPr>
-        </p:nvSpPr>
-        <p:spPr>
-          <a:xfrm>
-            <a:off x="8724900" y="365125"/>
-            <a:ext cx="2628900" cy="5811838"/>
-          </a:xfrm>
-        </p:spPr>
-        <p:txBody>
-          <a:bodyPr vert="eaVert"/>
-          <a:lstStyle/>
-          <a:p>
-            <a:r>
-              <a:rPr lang="ru-RU" smtClean="0"/>
-              <a:t>Образец заголовка</a:t>
-            </a:r>
-            <a:endParaRPr lang="ru-RU"/>
-          </a:p>
-        </p:txBody>
-      </p:sp>
-      <p:sp>
-        <p:nvSpPr>
-          <p:cNvPr id="3" name="Вертикальный текст 2"/>
-          <p:cNvSpPr>
-            <a:spLocks noGrp="1"/>
-          </p:cNvSpPr>
-          <p:nvPr>
-            <p:ph type="body" orient="vert" idx="1"/>
-          </p:nvPr>
-        </p:nvSpPr>
-        <p:spPr>
-          <a:xfrm>
-            <a:off x="838200" y="365125"/>
-            <a:ext cx="7734300" cy="5811838"/>
-          </a:xfrm>
-        </p:spPr>
-        <p:txBody>
-          <a:bodyPr vert="eaVert"/>
-          <a:lstStyle/>
-          <a:p>
-            <a:pPr lvl="0"/>
-            <a:r>
-              <a:rPr lang="ru-RU" smtClean="0"/>
-              <a:t>Образец текста</a:t>
-            </a:r>
-          </a:p>
-          <a:p>
-            <a:pPr lvl="1"/>
-            <a:r>
-              <a:rPr lang="ru-RU" smtClean="0"/>
-              <a:t>Второй уровень</a:t>
-            </a:r>
-          </a:p>
-          <a:p>
-            <a:pPr lvl="2"/>
-            <a:r>
-              <a:rPr lang="ru-RU" smtClean="0"/>
-              <a:t>Третий уровень</a:t>
-            </a:r>
-          </a:p>
-          <a:p>
-            <a:pPr lvl="3"/>
-            <a:r>
-              <a:rPr lang="ru-RU" smtClean="0"/>
-              <a:t>Четвертый уровень</a:t>
-            </a:r>
-          </a:p>
-          <a:p>
-            <a:pPr lvl="4"/>
-            <a:r>
-              <a:rPr lang="ru-RU" smtClean="0"/>
-              <a:t>Пятый уровень</a:t>
-            </a:r>
-            <a:endParaRPr lang="ru-RU"/>
-          </a:p>
-        </p:txBody>
-      </p:sp>
-      <p:sp>
-        <p:nvSpPr>
-          <p:cNvPr id="4" name="Дата 3"/>
-          <p:cNvSpPr>
-            <a:spLocks noGrp="1"/>
-          </p:cNvSpPr>
-          <p:nvPr>
-            <p:ph type="dt" sz="half" idx="10"/>
-          </p:nvPr>
-        </p:nvSpPr>
-        <p:spPr/>
-        <p:txBody>
-          <a:bodyPr/>
-          <a:lstStyle/>
-          <a:p>
-            <a:fld id="{664AF2A2-4D9C-46C3-93C3-53C18D916633}" type="datetimeFigureOut">
-              <a:rPr lang="ru-RU" smtClean="0"/>
-              <a:t>23.01.2019</a:t>
-            </a:fld>
-            <a:endParaRPr lang="ru-RU"/>
-          </a:p>
-        </p:txBody>
-      </p:sp>
-      <p:sp>
-        <p:nvSpPr>
-          <p:cNvPr id="5" name="Нижний колонтитул 4"/>
-          <p:cNvSpPr>
-            <a:spLocks noGrp="1"/>
-          </p:cNvSpPr>
-          <p:nvPr>
-            <p:ph type="ftr" sz="quarter" idx="11"/>
-          </p:nvPr>
-        </p:nvSpPr>
-        <p:spPr/>
-        <p:txBody>
-          <a:bodyPr/>
-          <a:lstStyle/>
-          <a:p>
-            <a:endParaRPr lang="ru-RU"/>
-          </a:p>
-        </p:txBody>
-      </p:sp>
-      <p:sp>
-        <p:nvSpPr>
-          <p:cNvPr id="6" name="Номер слайда 5"/>
-          <p:cNvSpPr>
-            <a:spLocks noGrp="1"/>
-          </p:cNvSpPr>
-          <p:nvPr>
-            <p:ph type="sldNum" sz="quarter" idx="12"/>
-          </p:nvPr>
-        </p:nvSpPr>
-        <p:spPr/>
-        <p:txBody>
-          <a:bodyPr/>
-          <a:lstStyle/>
-          <a:p>
-            <a:fld id="{01F9AC60-B8F2-473C-AF26-AAB09B3162D9}" type="slidenum">
-              <a:rPr lang="ru-RU" smtClean="0"/>
-              <a:t>‹#›</a:t>
-            </a:fld>
-            <a:endParaRPr lang="ru-RU"/>
-          </a:p>
-        </p:txBody>
-      </p:sp>
-    </p:spTree>
-    <p:extLst>
-      <p:ext uri="{BB962C8B-B14F-4D97-AF65-F5344CB8AC3E}">
-        <p14:creationId xmlns:p14="http://schemas.microsoft.com/office/powerpoint/2010/main" val="1268666848"/>
       </p:ext>
     </p:extLst>
   </p:cSld>
@@ -2952,1293 +2489,6 @@
 </p:sldMaster>
 </file>
 
-<file path=ppt/slides/slide1.xml><?xml version="1.0" encoding="utf-8"?>
-<p:sld xmlns:a="http://schemas.openxmlformats.org/drawingml/2006/main" xmlns:r="http://schemas.openxmlformats.org/officeDocument/2006/relationships" xmlns:p="http://schemas.openxmlformats.org/presentationml/2006/main">
-  <p:cSld>
-    <p:spTree>
-      <p:nvGrpSpPr>
-        <p:cNvPr id="1" name=""/>
-        <p:cNvGrpSpPr/>
-        <p:nvPr/>
-      </p:nvGrpSpPr>
-      <p:grpSpPr>
-        <a:xfrm>
-          <a:off x="0" y="0"/>
-          <a:ext cx="0" cy="0"/>
-          <a:chOff x="0" y="0"/>
-          <a:chExt cx="0" cy="0"/>
-        </a:xfrm>
-      </p:grpSpPr>
-      <p:sp>
-        <p:nvSpPr>
-          <p:cNvPr id="4" name="Прямоугольник 3"/>
-          <p:cNvSpPr/>
-          <p:nvPr/>
-        </p:nvSpPr>
-        <p:spPr>
-          <a:xfrm>
-            <a:off x="3641121" y="2031652"/>
-            <a:ext cx="1744363" cy="225513"/>
-          </a:xfrm>
-          <a:prstGeom prst="rect">
-            <a:avLst/>
-          </a:prstGeom>
-          <a:solidFill>
-            <a:schemeClr val="bg1"/>
-          </a:solidFill>
-        </p:spPr>
-        <p:style>
-          <a:lnRef idx="2">
-            <a:schemeClr val="accent1">
-              <a:shade val="50000"/>
-            </a:schemeClr>
-          </a:lnRef>
-          <a:fillRef idx="1">
-            <a:schemeClr val="accent1"/>
-          </a:fillRef>
-          <a:effectRef idx="0">
-            <a:schemeClr val="accent1"/>
-          </a:effectRef>
-          <a:fontRef idx="minor">
-            <a:schemeClr val="lt1"/>
-          </a:fontRef>
-        </p:style>
-        <p:txBody>
-          <a:bodyPr rtlCol="0" anchor="ctr"/>
-          <a:lstStyle/>
-          <a:p>
-            <a:pPr algn="ctr"/>
-            <a:r>
-              <a:rPr lang="en-US" sz="1200" dirty="0" smtClean="0">
-                <a:ln w="0"/>
-                <a:solidFill>
-                  <a:schemeClr val="tx1"/>
-                </a:solidFill>
-                <a:effectLst>
-                  <a:outerShdw blurRad="38100" dist="19050" dir="2700000" algn="tl" rotWithShape="0">
-                    <a:schemeClr val="dk1">
-                      <a:alpha val="40000"/>
-                    </a:schemeClr>
-                  </a:outerShdw>
-                </a:effectLst>
-              </a:rPr>
-              <a:t>COCO</a:t>
-            </a:r>
-            <a:endParaRPr lang="ru-RU" sz="1200" dirty="0">
-              <a:ln w="0"/>
-              <a:solidFill>
-                <a:schemeClr val="tx1"/>
-              </a:solidFill>
-              <a:effectLst>
-                <a:outerShdw blurRad="38100" dist="19050" dir="2700000" algn="tl" rotWithShape="0">
-                  <a:schemeClr val="dk1">
-                    <a:alpha val="40000"/>
-                  </a:schemeClr>
-                </a:outerShdw>
-              </a:effectLst>
-            </a:endParaRPr>
-          </a:p>
-        </p:txBody>
-      </p:sp>
-      <p:sp>
-        <p:nvSpPr>
-          <p:cNvPr id="9" name="Прямоугольник 8"/>
-          <p:cNvSpPr/>
-          <p:nvPr/>
-        </p:nvSpPr>
-        <p:spPr>
-          <a:xfrm>
-            <a:off x="1702396" y="1308347"/>
-            <a:ext cx="1744363" cy="215089"/>
-          </a:xfrm>
-          <a:prstGeom prst="rect">
-            <a:avLst/>
-          </a:prstGeom>
-          <a:solidFill>
-            <a:schemeClr val="bg1"/>
-          </a:solidFill>
-        </p:spPr>
-        <p:style>
-          <a:lnRef idx="2">
-            <a:schemeClr val="accent1">
-              <a:shade val="50000"/>
-            </a:schemeClr>
-          </a:lnRef>
-          <a:fillRef idx="1">
-            <a:schemeClr val="accent1"/>
-          </a:fillRef>
-          <a:effectRef idx="0">
-            <a:schemeClr val="accent1"/>
-          </a:effectRef>
-          <a:fontRef idx="minor">
-            <a:schemeClr val="lt1"/>
-          </a:fontRef>
-        </p:style>
-        <p:txBody>
-          <a:bodyPr rtlCol="0" anchor="ctr"/>
-          <a:lstStyle/>
-          <a:p>
-            <a:pPr algn="ctr"/>
-            <a:r>
-              <a:rPr lang="en-US" sz="1200" dirty="0" smtClean="0">
-                <a:ln w="0"/>
-                <a:solidFill>
-                  <a:schemeClr val="tx1"/>
-                </a:solidFill>
-                <a:effectLst>
-                  <a:outerShdw blurRad="38100" dist="19050" dir="2700000" algn="tl" rotWithShape="0">
-                    <a:schemeClr val="dk1">
-                      <a:alpha val="40000"/>
-                    </a:schemeClr>
-                  </a:outerShdw>
-                </a:effectLst>
-              </a:rPr>
-              <a:t>ADE20K</a:t>
-            </a:r>
-            <a:endParaRPr lang="ru-RU" sz="1200" dirty="0">
-              <a:ln w="0"/>
-              <a:solidFill>
-                <a:schemeClr val="tx1"/>
-              </a:solidFill>
-              <a:effectLst>
-                <a:outerShdw blurRad="38100" dist="19050" dir="2700000" algn="tl" rotWithShape="0">
-                  <a:schemeClr val="dk1">
-                    <a:alpha val="40000"/>
-                  </a:schemeClr>
-                </a:outerShdw>
-              </a:effectLst>
-            </a:endParaRPr>
-          </a:p>
-        </p:txBody>
-      </p:sp>
-      <p:cxnSp>
-        <p:nvCxnSpPr>
-          <p:cNvPr id="10" name="Прямая со стрелкой 9"/>
-          <p:cNvCxnSpPr>
-            <a:stCxn id="9" idx="2"/>
-            <a:endCxn id="4" idx="0"/>
-          </p:cNvCxnSpPr>
-          <p:nvPr/>
-        </p:nvCxnSpPr>
-        <p:spPr>
-          <a:xfrm>
-            <a:off x="2574578" y="1523436"/>
-            <a:ext cx="1938725" cy="508216"/>
-          </a:xfrm>
-          <a:prstGeom prst="straightConnector1">
-            <a:avLst/>
-          </a:prstGeom>
-          <a:ln>
-            <a:tailEnd type="triangle"/>
-          </a:ln>
-        </p:spPr>
-        <p:style>
-          <a:lnRef idx="1">
-            <a:schemeClr val="accent1"/>
-          </a:lnRef>
-          <a:fillRef idx="0">
-            <a:schemeClr val="accent1"/>
-          </a:fillRef>
-          <a:effectRef idx="0">
-            <a:schemeClr val="accent1"/>
-          </a:effectRef>
-          <a:fontRef idx="minor">
-            <a:schemeClr val="tx1"/>
-          </a:fontRef>
-        </p:style>
-      </p:cxnSp>
-      <p:cxnSp>
-        <p:nvCxnSpPr>
-          <p:cNvPr id="14" name="Прямая со стрелкой 13"/>
-          <p:cNvCxnSpPr>
-            <a:stCxn id="18" idx="2"/>
-            <a:endCxn id="4" idx="0"/>
-          </p:cNvCxnSpPr>
-          <p:nvPr/>
-        </p:nvCxnSpPr>
-        <p:spPr>
-          <a:xfrm>
-            <a:off x="4513299" y="1533860"/>
-            <a:ext cx="4" cy="497792"/>
-          </a:xfrm>
-          <a:prstGeom prst="straightConnector1">
-            <a:avLst/>
-          </a:prstGeom>
-          <a:ln>
-            <a:tailEnd type="triangle"/>
-          </a:ln>
-        </p:spPr>
-        <p:style>
-          <a:lnRef idx="1">
-            <a:schemeClr val="accent1"/>
-          </a:lnRef>
-          <a:fillRef idx="0">
-            <a:schemeClr val="accent1"/>
-          </a:fillRef>
-          <a:effectRef idx="0">
-            <a:schemeClr val="accent1"/>
-          </a:effectRef>
-          <a:fontRef idx="minor">
-            <a:schemeClr val="tx1"/>
-          </a:fontRef>
-        </p:style>
-      </p:cxnSp>
-      <p:sp>
-        <p:nvSpPr>
-          <p:cNvPr id="18" name="Прямоугольник 17"/>
-          <p:cNvSpPr/>
-          <p:nvPr/>
-        </p:nvSpPr>
-        <p:spPr>
-          <a:xfrm>
-            <a:off x="3641117" y="1308347"/>
-            <a:ext cx="1744363" cy="225513"/>
-          </a:xfrm>
-          <a:prstGeom prst="rect">
-            <a:avLst/>
-          </a:prstGeom>
-          <a:solidFill>
-            <a:schemeClr val="bg1"/>
-          </a:solidFill>
-        </p:spPr>
-        <p:style>
-          <a:lnRef idx="2">
-            <a:schemeClr val="accent1">
-              <a:shade val="50000"/>
-            </a:schemeClr>
-          </a:lnRef>
-          <a:fillRef idx="1">
-            <a:schemeClr val="accent1"/>
-          </a:fillRef>
-          <a:effectRef idx="0">
-            <a:schemeClr val="accent1"/>
-          </a:effectRef>
-          <a:fontRef idx="minor">
-            <a:schemeClr val="lt1"/>
-          </a:fontRef>
-        </p:style>
-        <p:txBody>
-          <a:bodyPr rtlCol="0" anchor="ctr"/>
-          <a:lstStyle/>
-          <a:p>
-            <a:pPr algn="ctr"/>
-            <a:r>
-              <a:rPr lang="en-US" sz="1200" dirty="0" smtClean="0">
-                <a:ln w="0"/>
-                <a:solidFill>
-                  <a:schemeClr val="tx1"/>
-                </a:solidFill>
-                <a:effectLst>
-                  <a:outerShdw blurRad="38100" dist="19050" dir="2700000" algn="tl" rotWithShape="0">
-                    <a:schemeClr val="dk1">
-                      <a:alpha val="40000"/>
-                    </a:schemeClr>
-                  </a:outerShdw>
-                </a:effectLst>
-              </a:rPr>
-              <a:t>CITYSCAPES</a:t>
-            </a:r>
-            <a:endParaRPr lang="ru-RU" sz="1200" dirty="0">
-              <a:ln w="0"/>
-              <a:solidFill>
-                <a:schemeClr val="tx1"/>
-              </a:solidFill>
-              <a:effectLst>
-                <a:outerShdw blurRad="38100" dist="19050" dir="2700000" algn="tl" rotWithShape="0">
-                  <a:schemeClr val="dk1">
-                    <a:alpha val="40000"/>
-                  </a:schemeClr>
-                </a:outerShdw>
-              </a:effectLst>
-            </a:endParaRPr>
-          </a:p>
-        </p:txBody>
-      </p:sp>
-      <p:sp>
-        <p:nvSpPr>
-          <p:cNvPr id="24" name="Прямоугольник 23"/>
-          <p:cNvSpPr/>
-          <p:nvPr/>
-        </p:nvSpPr>
-        <p:spPr>
-          <a:xfrm>
-            <a:off x="6561433" y="2022120"/>
-            <a:ext cx="1744363" cy="225513"/>
-          </a:xfrm>
-          <a:prstGeom prst="rect">
-            <a:avLst/>
-          </a:prstGeom>
-          <a:solidFill>
-            <a:schemeClr val="bg1"/>
-          </a:solidFill>
-        </p:spPr>
-        <p:style>
-          <a:lnRef idx="2">
-            <a:schemeClr val="accent1">
-              <a:shade val="50000"/>
-            </a:schemeClr>
-          </a:lnRef>
-          <a:fillRef idx="1">
-            <a:schemeClr val="accent1"/>
-          </a:fillRef>
-          <a:effectRef idx="0">
-            <a:schemeClr val="accent1"/>
-          </a:effectRef>
-          <a:fontRef idx="minor">
-            <a:schemeClr val="lt1"/>
-          </a:fontRef>
-        </p:style>
-        <p:txBody>
-          <a:bodyPr rtlCol="0" anchor="ctr"/>
-          <a:lstStyle/>
-          <a:p>
-            <a:pPr algn="ctr"/>
-            <a:r>
-              <a:rPr lang="en-US" sz="1200" dirty="0" smtClean="0">
-                <a:ln w="0"/>
-                <a:solidFill>
-                  <a:schemeClr val="tx1"/>
-                </a:solidFill>
-                <a:effectLst>
-                  <a:outerShdw blurRad="38100" dist="19050" dir="2700000" algn="tl" rotWithShape="0">
-                    <a:schemeClr val="dk1">
-                      <a:alpha val="40000"/>
-                    </a:schemeClr>
-                  </a:outerShdw>
-                </a:effectLst>
-              </a:rPr>
-              <a:t>OID</a:t>
-            </a:r>
-            <a:endParaRPr lang="ru-RU" sz="1200" dirty="0">
-              <a:ln w="0"/>
-              <a:solidFill>
-                <a:schemeClr val="tx1"/>
-              </a:solidFill>
-              <a:effectLst>
-                <a:outerShdw blurRad="38100" dist="19050" dir="2700000" algn="tl" rotWithShape="0">
-                  <a:schemeClr val="dk1">
-                    <a:alpha val="40000"/>
-                  </a:schemeClr>
-                </a:outerShdw>
-              </a:effectLst>
-            </a:endParaRPr>
-          </a:p>
-        </p:txBody>
-      </p:sp>
-      <p:cxnSp>
-        <p:nvCxnSpPr>
-          <p:cNvPr id="26" name="Прямая со стрелкой 25"/>
-          <p:cNvCxnSpPr>
-            <a:stCxn id="24" idx="1"/>
-            <a:endCxn id="4" idx="3"/>
-          </p:cNvCxnSpPr>
-          <p:nvPr/>
-        </p:nvCxnSpPr>
-        <p:spPr>
-          <a:xfrm flipH="1">
-            <a:off x="5385484" y="2134877"/>
-            <a:ext cx="1175949" cy="9532"/>
-          </a:xfrm>
-          <a:prstGeom prst="straightConnector1">
-            <a:avLst/>
-          </a:prstGeom>
-          <a:ln>
-            <a:tailEnd type="triangle"/>
-          </a:ln>
-        </p:spPr>
-        <p:style>
-          <a:lnRef idx="1">
-            <a:schemeClr val="accent1"/>
-          </a:lnRef>
-          <a:fillRef idx="0">
-            <a:schemeClr val="accent1"/>
-          </a:fillRef>
-          <a:effectRef idx="0">
-            <a:schemeClr val="accent1"/>
-          </a:effectRef>
-          <a:fontRef idx="minor">
-            <a:schemeClr val="tx1"/>
-          </a:fontRef>
-        </p:style>
-      </p:cxnSp>
-      <p:sp>
-        <p:nvSpPr>
-          <p:cNvPr id="28" name="Прямоугольник 27"/>
-          <p:cNvSpPr/>
-          <p:nvPr/>
-        </p:nvSpPr>
-        <p:spPr>
-          <a:xfrm>
-            <a:off x="720808" y="1988653"/>
-            <a:ext cx="1744363" cy="225513"/>
-          </a:xfrm>
-          <a:prstGeom prst="rect">
-            <a:avLst/>
-          </a:prstGeom>
-          <a:solidFill>
-            <a:schemeClr val="bg1"/>
-          </a:solidFill>
-        </p:spPr>
-        <p:style>
-          <a:lnRef idx="2">
-            <a:schemeClr val="accent1">
-              <a:shade val="50000"/>
-            </a:schemeClr>
-          </a:lnRef>
-          <a:fillRef idx="1">
-            <a:schemeClr val="accent1"/>
-          </a:fillRef>
-          <a:effectRef idx="0">
-            <a:schemeClr val="accent1"/>
-          </a:effectRef>
-          <a:fontRef idx="minor">
-            <a:schemeClr val="lt1"/>
-          </a:fontRef>
-        </p:style>
-        <p:txBody>
-          <a:bodyPr rtlCol="0" anchor="ctr"/>
-          <a:lstStyle/>
-          <a:p>
-            <a:pPr algn="ctr"/>
-            <a:r>
-              <a:rPr lang="en-US" sz="1200" dirty="0" smtClean="0">
-                <a:ln w="0"/>
-                <a:solidFill>
-                  <a:schemeClr val="tx1"/>
-                </a:solidFill>
-                <a:effectLst>
-                  <a:outerShdw blurRad="38100" dist="19050" dir="2700000" algn="tl" rotWithShape="0">
-                    <a:schemeClr val="dk1">
-                      <a:alpha val="40000"/>
-                    </a:schemeClr>
-                  </a:outerShdw>
-                </a:effectLst>
-              </a:rPr>
-              <a:t>VOC</a:t>
-            </a:r>
-            <a:endParaRPr lang="ru-RU" sz="1200" dirty="0">
-              <a:ln w="0"/>
-              <a:solidFill>
-                <a:schemeClr val="tx1"/>
-              </a:solidFill>
-              <a:effectLst>
-                <a:outerShdw blurRad="38100" dist="19050" dir="2700000" algn="tl" rotWithShape="0">
-                  <a:schemeClr val="dk1">
-                    <a:alpha val="40000"/>
-                  </a:schemeClr>
-                </a:outerShdw>
-              </a:effectLst>
-            </a:endParaRPr>
-          </a:p>
-        </p:txBody>
-      </p:sp>
-      <p:sp>
-        <p:nvSpPr>
-          <p:cNvPr id="30" name="Прямоугольник 29"/>
-          <p:cNvSpPr/>
-          <p:nvPr/>
-        </p:nvSpPr>
-        <p:spPr>
-          <a:xfrm>
-            <a:off x="720807" y="2214166"/>
-            <a:ext cx="1744363" cy="225513"/>
-          </a:xfrm>
-          <a:prstGeom prst="rect">
-            <a:avLst/>
-          </a:prstGeom>
-          <a:solidFill>
-            <a:schemeClr val="bg1"/>
-          </a:solidFill>
-        </p:spPr>
-        <p:style>
-          <a:lnRef idx="2">
-            <a:schemeClr val="accent1">
-              <a:shade val="50000"/>
-            </a:schemeClr>
-          </a:lnRef>
-          <a:fillRef idx="1">
-            <a:schemeClr val="accent1"/>
-          </a:fillRef>
-          <a:effectRef idx="0">
-            <a:schemeClr val="accent1"/>
-          </a:effectRef>
-          <a:fontRef idx="minor">
-            <a:schemeClr val="lt1"/>
-          </a:fontRef>
-        </p:style>
-        <p:txBody>
-          <a:bodyPr rtlCol="0" anchor="ctr"/>
-          <a:lstStyle/>
-          <a:p>
-            <a:pPr algn="ctr"/>
-            <a:r>
-              <a:rPr lang="en-US" sz="1200" dirty="0" smtClean="0">
-                <a:ln w="0"/>
-                <a:solidFill>
-                  <a:schemeClr val="tx1"/>
-                </a:solidFill>
-                <a:effectLst>
-                  <a:outerShdw blurRad="38100" dist="19050" dir="2700000" algn="tl" rotWithShape="0">
-                    <a:schemeClr val="dk1">
-                      <a:alpha val="40000"/>
-                    </a:schemeClr>
-                  </a:outerShdw>
-                </a:effectLst>
-              </a:rPr>
-              <a:t>VOCSEGM</a:t>
-            </a:r>
-            <a:endParaRPr lang="ru-RU" sz="1200" dirty="0">
-              <a:ln w="0"/>
-              <a:solidFill>
-                <a:schemeClr val="tx1"/>
-              </a:solidFill>
-              <a:effectLst>
-                <a:outerShdw blurRad="38100" dist="19050" dir="2700000" algn="tl" rotWithShape="0">
-                  <a:schemeClr val="dk1">
-                    <a:alpha val="40000"/>
-                  </a:schemeClr>
-                </a:outerShdw>
-              </a:effectLst>
-            </a:endParaRPr>
-          </a:p>
-        </p:txBody>
-      </p:sp>
-      <p:cxnSp>
-        <p:nvCxnSpPr>
-          <p:cNvPr id="32" name="Прямая со стрелкой 31"/>
-          <p:cNvCxnSpPr>
-            <a:stCxn id="30" idx="3"/>
-            <a:endCxn id="4" idx="1"/>
-          </p:cNvCxnSpPr>
-          <p:nvPr/>
-        </p:nvCxnSpPr>
-        <p:spPr>
-          <a:xfrm flipV="1">
-            <a:off x="2465170" y="2144409"/>
-            <a:ext cx="1175951" cy="182514"/>
-          </a:xfrm>
-          <a:prstGeom prst="straightConnector1">
-            <a:avLst/>
-          </a:prstGeom>
-          <a:ln>
-            <a:tailEnd type="triangle"/>
-          </a:ln>
-        </p:spPr>
-        <p:style>
-          <a:lnRef idx="1">
-            <a:schemeClr val="accent1"/>
-          </a:lnRef>
-          <a:fillRef idx="0">
-            <a:schemeClr val="accent1"/>
-          </a:fillRef>
-          <a:effectRef idx="0">
-            <a:schemeClr val="accent1"/>
-          </a:effectRef>
-          <a:fontRef idx="minor">
-            <a:schemeClr val="tx1"/>
-          </a:fontRef>
-        </p:style>
-      </p:cxnSp>
-      <p:cxnSp>
-        <p:nvCxnSpPr>
-          <p:cNvPr id="45" name="Прямая со стрелкой 44"/>
-          <p:cNvCxnSpPr>
-            <a:stCxn id="28" idx="3"/>
-            <a:endCxn id="4" idx="1"/>
-          </p:cNvCxnSpPr>
-          <p:nvPr/>
-        </p:nvCxnSpPr>
-        <p:spPr>
-          <a:xfrm>
-            <a:off x="2465171" y="2101410"/>
-            <a:ext cx="1175950" cy="42999"/>
-          </a:xfrm>
-          <a:prstGeom prst="straightConnector1">
-            <a:avLst/>
-          </a:prstGeom>
-          <a:ln>
-            <a:tailEnd type="triangle"/>
-          </a:ln>
-        </p:spPr>
-        <p:style>
-          <a:lnRef idx="1">
-            <a:schemeClr val="accent1"/>
-          </a:lnRef>
-          <a:fillRef idx="0">
-            <a:schemeClr val="accent1"/>
-          </a:fillRef>
-          <a:effectRef idx="0">
-            <a:schemeClr val="accent1"/>
-          </a:effectRef>
-          <a:fontRef idx="minor">
-            <a:schemeClr val="tx1"/>
-          </a:fontRef>
-        </p:style>
-      </p:cxnSp>
-      <p:sp>
-        <p:nvSpPr>
-          <p:cNvPr id="58" name="Прямоугольник 57"/>
-          <p:cNvSpPr/>
-          <p:nvPr/>
-        </p:nvSpPr>
-        <p:spPr>
-          <a:xfrm>
-            <a:off x="720807" y="2621418"/>
-            <a:ext cx="1744363" cy="225513"/>
-          </a:xfrm>
-          <a:prstGeom prst="rect">
-            <a:avLst/>
-          </a:prstGeom>
-          <a:solidFill>
-            <a:schemeClr val="bg1"/>
-          </a:solidFill>
-        </p:spPr>
-        <p:style>
-          <a:lnRef idx="2">
-            <a:schemeClr val="accent1">
-              <a:shade val="50000"/>
-            </a:schemeClr>
-          </a:lnRef>
-          <a:fillRef idx="1">
-            <a:schemeClr val="accent1"/>
-          </a:fillRef>
-          <a:effectRef idx="0">
-            <a:schemeClr val="accent1"/>
-          </a:effectRef>
-          <a:fontRef idx="minor">
-            <a:schemeClr val="lt1"/>
-          </a:fontRef>
-        </p:style>
-        <p:txBody>
-          <a:bodyPr rtlCol="0" anchor="ctr"/>
-          <a:lstStyle/>
-          <a:p>
-            <a:pPr algn="ctr"/>
-            <a:r>
-              <a:rPr lang="en-US" sz="1200" dirty="0" smtClean="0">
-                <a:ln w="0"/>
-                <a:solidFill>
-                  <a:schemeClr val="tx1"/>
-                </a:solidFill>
-                <a:effectLst>
-                  <a:outerShdw blurRad="38100" dist="19050" dir="2700000" algn="tl" rotWithShape="0">
-                    <a:schemeClr val="dk1">
-                      <a:alpha val="40000"/>
-                    </a:schemeClr>
-                  </a:outerShdw>
-                </a:effectLst>
-              </a:rPr>
-              <a:t>VOCCALIB</a:t>
-            </a:r>
-            <a:endParaRPr lang="ru-RU" sz="1200" dirty="0">
-              <a:ln w="0"/>
-              <a:solidFill>
-                <a:schemeClr val="tx1"/>
-              </a:solidFill>
-              <a:effectLst>
-                <a:outerShdw blurRad="38100" dist="19050" dir="2700000" algn="tl" rotWithShape="0">
-                  <a:schemeClr val="dk1">
-                    <a:alpha val="40000"/>
-                  </a:schemeClr>
-                </a:outerShdw>
-              </a:effectLst>
-            </a:endParaRPr>
-          </a:p>
-        </p:txBody>
-      </p:sp>
-      <p:cxnSp>
-        <p:nvCxnSpPr>
-          <p:cNvPr id="60" name="Прямая со стрелкой 59"/>
-          <p:cNvCxnSpPr>
-            <a:stCxn id="4" idx="2"/>
-            <a:endCxn id="58" idx="3"/>
-          </p:cNvCxnSpPr>
-          <p:nvPr/>
-        </p:nvCxnSpPr>
-        <p:spPr>
-          <a:xfrm flipH="1">
-            <a:off x="2465170" y="2257165"/>
-            <a:ext cx="2048133" cy="477010"/>
-          </a:xfrm>
-          <a:prstGeom prst="straightConnector1">
-            <a:avLst/>
-          </a:prstGeom>
-          <a:ln>
-            <a:tailEnd type="triangle"/>
-          </a:ln>
-        </p:spPr>
-        <p:style>
-          <a:lnRef idx="1">
-            <a:schemeClr val="accent1"/>
-          </a:lnRef>
-          <a:fillRef idx="0">
-            <a:schemeClr val="accent1"/>
-          </a:fillRef>
-          <a:effectRef idx="0">
-            <a:schemeClr val="accent1"/>
-          </a:effectRef>
-          <a:fontRef idx="minor">
-            <a:schemeClr val="tx1"/>
-          </a:fontRef>
-        </p:style>
-      </p:cxnSp>
-      <p:sp>
-        <p:nvSpPr>
-          <p:cNvPr id="62" name="Прямоугольник 61"/>
-          <p:cNvSpPr/>
-          <p:nvPr/>
-        </p:nvSpPr>
-        <p:spPr>
-          <a:xfrm>
-            <a:off x="6561429" y="2624414"/>
-            <a:ext cx="1744363" cy="225513"/>
-          </a:xfrm>
-          <a:prstGeom prst="rect">
-            <a:avLst/>
-          </a:prstGeom>
-          <a:solidFill>
-            <a:schemeClr val="bg1"/>
-          </a:solidFill>
-        </p:spPr>
-        <p:style>
-          <a:lnRef idx="2">
-            <a:schemeClr val="accent1">
-              <a:shade val="50000"/>
-            </a:schemeClr>
-          </a:lnRef>
-          <a:fillRef idx="1">
-            <a:schemeClr val="accent1"/>
-          </a:fillRef>
-          <a:effectRef idx="0">
-            <a:schemeClr val="accent1"/>
-          </a:effectRef>
-          <a:fontRef idx="minor">
-            <a:schemeClr val="lt1"/>
-          </a:fontRef>
-        </p:style>
-        <p:txBody>
-          <a:bodyPr rtlCol="0" anchor="ctr"/>
-          <a:lstStyle/>
-          <a:p>
-            <a:pPr algn="ctr"/>
-            <a:r>
-              <a:rPr lang="en-US" sz="1200" dirty="0" smtClean="0">
-                <a:ln w="0"/>
-                <a:solidFill>
-                  <a:schemeClr val="tx1"/>
-                </a:solidFill>
-                <a:effectLst>
-                  <a:outerShdw blurRad="38100" dist="19050" dir="2700000" algn="tl" rotWithShape="0">
-                    <a:schemeClr val="dk1">
-                      <a:alpha val="40000"/>
-                    </a:schemeClr>
-                  </a:outerShdw>
-                </a:effectLst>
-              </a:rPr>
-              <a:t>TDGSEGM</a:t>
-            </a:r>
-            <a:endParaRPr lang="ru-RU" sz="1200" dirty="0">
-              <a:ln w="0"/>
-              <a:solidFill>
-                <a:schemeClr val="tx1"/>
-              </a:solidFill>
-              <a:effectLst>
-                <a:outerShdw blurRad="38100" dist="19050" dir="2700000" algn="tl" rotWithShape="0">
-                  <a:schemeClr val="dk1">
-                    <a:alpha val="40000"/>
-                  </a:schemeClr>
-                </a:outerShdw>
-              </a:effectLst>
-            </a:endParaRPr>
-          </a:p>
-        </p:txBody>
-      </p:sp>
-      <p:sp>
-        <p:nvSpPr>
-          <p:cNvPr id="66" name="Прямоугольник 65"/>
-          <p:cNvSpPr/>
-          <p:nvPr/>
-        </p:nvSpPr>
-        <p:spPr>
-          <a:xfrm>
-            <a:off x="3641118" y="2606154"/>
-            <a:ext cx="1744363" cy="225513"/>
-          </a:xfrm>
-          <a:prstGeom prst="rect">
-            <a:avLst/>
-          </a:prstGeom>
-          <a:solidFill>
-            <a:schemeClr val="bg1"/>
-          </a:solidFill>
-        </p:spPr>
-        <p:style>
-          <a:lnRef idx="2">
-            <a:schemeClr val="accent1">
-              <a:shade val="50000"/>
-            </a:schemeClr>
-          </a:lnRef>
-          <a:fillRef idx="1">
-            <a:schemeClr val="accent1"/>
-          </a:fillRef>
-          <a:effectRef idx="0">
-            <a:schemeClr val="accent1"/>
-          </a:effectRef>
-          <a:fontRef idx="minor">
-            <a:schemeClr val="lt1"/>
-          </a:fontRef>
-        </p:style>
-        <p:txBody>
-          <a:bodyPr rtlCol="0" anchor="ctr"/>
-          <a:lstStyle/>
-          <a:p>
-            <a:pPr algn="ctr"/>
-            <a:r>
-              <a:rPr lang="en-US" sz="1200" dirty="0" smtClean="0">
-                <a:ln w="0"/>
-                <a:solidFill>
-                  <a:schemeClr val="tx1"/>
-                </a:solidFill>
-                <a:effectLst>
-                  <a:outerShdw blurRad="38100" dist="19050" dir="2700000" algn="tl" rotWithShape="0">
-                    <a:schemeClr val="dk1">
-                      <a:alpha val="40000"/>
-                    </a:schemeClr>
-                  </a:outerShdw>
-                </a:effectLst>
-              </a:rPr>
-              <a:t>TDG</a:t>
-            </a:r>
-            <a:endParaRPr lang="ru-RU" sz="1200" dirty="0">
-              <a:ln w="0"/>
-              <a:solidFill>
-                <a:schemeClr val="tx1"/>
-              </a:solidFill>
-              <a:effectLst>
-                <a:outerShdw blurRad="38100" dist="19050" dir="2700000" algn="tl" rotWithShape="0">
-                  <a:schemeClr val="dk1">
-                    <a:alpha val="40000"/>
-                  </a:schemeClr>
-                </a:outerShdw>
-              </a:effectLst>
-            </a:endParaRPr>
-          </a:p>
-        </p:txBody>
-      </p:sp>
-      <p:sp>
-        <p:nvSpPr>
-          <p:cNvPr id="75" name="Прямоугольник 74"/>
-          <p:cNvSpPr/>
-          <p:nvPr/>
-        </p:nvSpPr>
-        <p:spPr>
-          <a:xfrm>
-            <a:off x="2768936" y="3104421"/>
-            <a:ext cx="1744363" cy="225513"/>
-          </a:xfrm>
-          <a:prstGeom prst="rect">
-            <a:avLst/>
-          </a:prstGeom>
-          <a:solidFill>
-            <a:schemeClr val="bg1"/>
-          </a:solidFill>
-        </p:spPr>
-        <p:style>
-          <a:lnRef idx="2">
-            <a:schemeClr val="accent1">
-              <a:shade val="50000"/>
-            </a:schemeClr>
-          </a:lnRef>
-          <a:fillRef idx="1">
-            <a:schemeClr val="accent1"/>
-          </a:fillRef>
-          <a:effectRef idx="0">
-            <a:schemeClr val="accent1"/>
-          </a:effectRef>
-          <a:fontRef idx="minor">
-            <a:schemeClr val="lt1"/>
-          </a:fontRef>
-        </p:style>
-        <p:txBody>
-          <a:bodyPr rtlCol="0" anchor="ctr"/>
-          <a:lstStyle/>
-          <a:p>
-            <a:pPr algn="ctr"/>
-            <a:r>
-              <a:rPr lang="en-US" sz="1200" dirty="0" smtClean="0">
-                <a:ln w="0"/>
-                <a:solidFill>
-                  <a:schemeClr val="tx1"/>
-                </a:solidFill>
-                <a:effectLst>
-                  <a:outerShdw blurRad="38100" dist="19050" dir="2700000" algn="tl" rotWithShape="0">
-                    <a:schemeClr val="dk1">
-                      <a:alpha val="40000"/>
-                    </a:schemeClr>
-                  </a:outerShdw>
-                </a:effectLst>
-              </a:rPr>
-              <a:t>FRCNN</a:t>
-            </a:r>
-            <a:endParaRPr lang="ru-RU" sz="1200" dirty="0">
-              <a:ln w="0"/>
-              <a:solidFill>
-                <a:schemeClr val="tx1"/>
-              </a:solidFill>
-              <a:effectLst>
-                <a:outerShdw blurRad="38100" dist="19050" dir="2700000" algn="tl" rotWithShape="0">
-                  <a:schemeClr val="dk1">
-                    <a:alpha val="40000"/>
-                  </a:schemeClr>
-                </a:outerShdw>
-              </a:effectLst>
-            </a:endParaRPr>
-          </a:p>
-        </p:txBody>
-      </p:sp>
-      <p:sp>
-        <p:nvSpPr>
-          <p:cNvPr id="76" name="Прямоугольник 75"/>
-          <p:cNvSpPr/>
-          <p:nvPr/>
-        </p:nvSpPr>
-        <p:spPr>
-          <a:xfrm>
-            <a:off x="4665182" y="3104421"/>
-            <a:ext cx="1744363" cy="225513"/>
-          </a:xfrm>
-          <a:prstGeom prst="rect">
-            <a:avLst/>
-          </a:prstGeom>
-          <a:solidFill>
-            <a:schemeClr val="bg1"/>
-          </a:solidFill>
-        </p:spPr>
-        <p:style>
-          <a:lnRef idx="2">
-            <a:schemeClr val="accent1">
-              <a:shade val="50000"/>
-            </a:schemeClr>
-          </a:lnRef>
-          <a:fillRef idx="1">
-            <a:schemeClr val="accent1"/>
-          </a:fillRef>
-          <a:effectRef idx="0">
-            <a:schemeClr val="accent1"/>
-          </a:effectRef>
-          <a:fontRef idx="minor">
-            <a:schemeClr val="lt1"/>
-          </a:fontRef>
-        </p:style>
-        <p:txBody>
-          <a:bodyPr rtlCol="0" anchor="ctr"/>
-          <a:lstStyle/>
-          <a:p>
-            <a:pPr algn="ctr"/>
-            <a:r>
-              <a:rPr lang="en-US" sz="1200" dirty="0" smtClean="0">
-                <a:ln w="0"/>
-                <a:solidFill>
-                  <a:schemeClr val="tx1"/>
-                </a:solidFill>
-                <a:effectLst>
-                  <a:outerShdw blurRad="38100" dist="19050" dir="2700000" algn="tl" rotWithShape="0">
-                    <a:schemeClr val="dk1">
-                      <a:alpha val="40000"/>
-                    </a:schemeClr>
-                  </a:outerShdw>
-                </a:effectLst>
-              </a:rPr>
-              <a:t>SSD</a:t>
-            </a:r>
-            <a:endParaRPr lang="ru-RU" sz="1200" dirty="0">
-              <a:ln w="0"/>
-              <a:solidFill>
-                <a:schemeClr val="tx1"/>
-              </a:solidFill>
-              <a:effectLst>
-                <a:outerShdw blurRad="38100" dist="19050" dir="2700000" algn="tl" rotWithShape="0">
-                  <a:schemeClr val="dk1">
-                    <a:alpha val="40000"/>
-                  </a:schemeClr>
-                </a:outerShdw>
-              </a:effectLst>
-            </a:endParaRPr>
-          </a:p>
-        </p:txBody>
-      </p:sp>
-      <p:cxnSp>
-        <p:nvCxnSpPr>
-          <p:cNvPr id="78" name="Прямая со стрелкой 77"/>
-          <p:cNvCxnSpPr>
-            <a:stCxn id="66" idx="2"/>
-            <a:endCxn id="75" idx="0"/>
-          </p:cNvCxnSpPr>
-          <p:nvPr/>
-        </p:nvCxnSpPr>
-        <p:spPr>
-          <a:xfrm flipH="1">
-            <a:off x="3641118" y="2831667"/>
-            <a:ext cx="872182" cy="272754"/>
-          </a:xfrm>
-          <a:prstGeom prst="straightConnector1">
-            <a:avLst/>
-          </a:prstGeom>
-          <a:ln>
-            <a:tailEnd type="triangle"/>
-          </a:ln>
-        </p:spPr>
-        <p:style>
-          <a:lnRef idx="1">
-            <a:schemeClr val="accent1"/>
-          </a:lnRef>
-          <a:fillRef idx="0">
-            <a:schemeClr val="accent1"/>
-          </a:fillRef>
-          <a:effectRef idx="0">
-            <a:schemeClr val="accent1"/>
-          </a:effectRef>
-          <a:fontRef idx="minor">
-            <a:schemeClr val="tx1"/>
-          </a:fontRef>
-        </p:style>
-      </p:cxnSp>
-      <p:cxnSp>
-        <p:nvCxnSpPr>
-          <p:cNvPr id="80" name="Прямая со стрелкой 79"/>
-          <p:cNvCxnSpPr>
-            <a:stCxn id="66" idx="2"/>
-            <a:endCxn id="76" idx="0"/>
-          </p:cNvCxnSpPr>
-          <p:nvPr/>
-        </p:nvCxnSpPr>
-        <p:spPr>
-          <a:xfrm>
-            <a:off x="4513300" y="2831667"/>
-            <a:ext cx="1024064" cy="272754"/>
-          </a:xfrm>
-          <a:prstGeom prst="straightConnector1">
-            <a:avLst/>
-          </a:prstGeom>
-          <a:ln>
-            <a:tailEnd type="triangle"/>
-          </a:ln>
-        </p:spPr>
-        <p:style>
-          <a:lnRef idx="1">
-            <a:schemeClr val="accent1"/>
-          </a:lnRef>
-          <a:fillRef idx="0">
-            <a:schemeClr val="accent1"/>
-          </a:fillRef>
-          <a:effectRef idx="0">
-            <a:schemeClr val="accent1"/>
-          </a:effectRef>
-          <a:fontRef idx="minor">
-            <a:schemeClr val="tx1"/>
-          </a:fontRef>
-        </p:style>
-      </p:cxnSp>
-      <p:cxnSp>
-        <p:nvCxnSpPr>
-          <p:cNvPr id="82" name="Прямая со стрелкой 81"/>
-          <p:cNvCxnSpPr>
-            <a:stCxn id="4" idx="2"/>
-            <a:endCxn id="66" idx="0"/>
-          </p:cNvCxnSpPr>
-          <p:nvPr/>
-        </p:nvCxnSpPr>
-        <p:spPr>
-          <a:xfrm flipH="1">
-            <a:off x="4513300" y="2257165"/>
-            <a:ext cx="3" cy="348989"/>
-          </a:xfrm>
-          <a:prstGeom prst="straightConnector1">
-            <a:avLst/>
-          </a:prstGeom>
-          <a:ln>
-            <a:headEnd type="triangle"/>
-            <a:tailEnd type="triangle"/>
-          </a:ln>
-        </p:spPr>
-        <p:style>
-          <a:lnRef idx="1">
-            <a:schemeClr val="accent1"/>
-          </a:lnRef>
-          <a:fillRef idx="0">
-            <a:schemeClr val="accent1"/>
-          </a:fillRef>
-          <a:effectRef idx="0">
-            <a:schemeClr val="accent1"/>
-          </a:effectRef>
-          <a:fontRef idx="minor">
-            <a:schemeClr val="tx1"/>
-          </a:fontRef>
-        </p:style>
-      </p:cxnSp>
-      <p:cxnSp>
-        <p:nvCxnSpPr>
-          <p:cNvPr id="23" name="Прямая со стрелкой 22"/>
-          <p:cNvCxnSpPr>
-            <a:stCxn id="4" idx="2"/>
-            <a:endCxn id="62" idx="1"/>
-          </p:cNvCxnSpPr>
-          <p:nvPr/>
-        </p:nvCxnSpPr>
-        <p:spPr>
-          <a:xfrm>
-            <a:off x="4513303" y="2257165"/>
-            <a:ext cx="2048126" cy="480006"/>
-          </a:xfrm>
-          <a:prstGeom prst="straightConnector1">
-            <a:avLst/>
-          </a:prstGeom>
-          <a:ln>
-            <a:headEnd type="triangle"/>
-            <a:tailEnd type="triangle"/>
-          </a:ln>
-        </p:spPr>
-        <p:style>
-          <a:lnRef idx="1">
-            <a:schemeClr val="accent1"/>
-          </a:lnRef>
-          <a:fillRef idx="0">
-            <a:schemeClr val="accent1"/>
-          </a:fillRef>
-          <a:effectRef idx="0">
-            <a:schemeClr val="accent1"/>
-          </a:effectRef>
-          <a:fontRef idx="minor">
-            <a:schemeClr val="tx1"/>
-          </a:fontRef>
-        </p:style>
-      </p:cxnSp>
-      <p:sp>
-        <p:nvSpPr>
-          <p:cNvPr id="25" name="Прямоугольник 24"/>
-          <p:cNvSpPr/>
-          <p:nvPr/>
-        </p:nvSpPr>
-        <p:spPr>
-          <a:xfrm>
-            <a:off x="5579838" y="1308347"/>
-            <a:ext cx="1744363" cy="225513"/>
-          </a:xfrm>
-          <a:prstGeom prst="rect">
-            <a:avLst/>
-          </a:prstGeom>
-          <a:solidFill>
-            <a:schemeClr val="bg1"/>
-          </a:solidFill>
-        </p:spPr>
-        <p:style>
-          <a:lnRef idx="2">
-            <a:schemeClr val="accent1">
-              <a:shade val="50000"/>
-            </a:schemeClr>
-          </a:lnRef>
-          <a:fillRef idx="1">
-            <a:schemeClr val="accent1"/>
-          </a:fillRef>
-          <a:effectRef idx="0">
-            <a:schemeClr val="accent1"/>
-          </a:effectRef>
-          <a:fontRef idx="minor">
-            <a:schemeClr val="lt1"/>
-          </a:fontRef>
-        </p:style>
-        <p:txBody>
-          <a:bodyPr rtlCol="0" anchor="ctr"/>
-          <a:lstStyle/>
-          <a:p>
-            <a:pPr algn="ctr"/>
-            <a:r>
-              <a:rPr lang="en-US" sz="1200" dirty="0" smtClean="0">
-                <a:ln w="0"/>
-                <a:solidFill>
-                  <a:schemeClr val="tx1"/>
-                </a:solidFill>
-                <a:effectLst>
-                  <a:outerShdw blurRad="38100" dist="19050" dir="2700000" algn="tl" rotWithShape="0">
-                    <a:schemeClr val="dk1">
-                      <a:alpha val="40000"/>
-                    </a:schemeClr>
-                  </a:outerShdw>
-                </a:effectLst>
-              </a:rPr>
-              <a:t>CVAT</a:t>
-            </a:r>
-            <a:endParaRPr lang="ru-RU" sz="1200" dirty="0">
-              <a:ln w="0"/>
-              <a:solidFill>
-                <a:schemeClr val="tx1"/>
-              </a:solidFill>
-              <a:effectLst>
-                <a:outerShdw blurRad="38100" dist="19050" dir="2700000" algn="tl" rotWithShape="0">
-                  <a:schemeClr val="dk1">
-                    <a:alpha val="40000"/>
-                  </a:schemeClr>
-                </a:outerShdw>
-              </a:effectLst>
-            </a:endParaRPr>
-          </a:p>
-        </p:txBody>
-      </p:sp>
-      <p:cxnSp>
-        <p:nvCxnSpPr>
-          <p:cNvPr id="29" name="Прямая со стрелкой 28"/>
-          <p:cNvCxnSpPr>
-            <a:stCxn id="25" idx="2"/>
-            <a:endCxn id="4" idx="0"/>
-          </p:cNvCxnSpPr>
-          <p:nvPr/>
-        </p:nvCxnSpPr>
-        <p:spPr>
-          <a:xfrm flipH="1">
-            <a:off x="4513303" y="1533860"/>
-            <a:ext cx="1938717" cy="497792"/>
-          </a:xfrm>
-          <a:prstGeom prst="straightConnector1">
-            <a:avLst/>
-          </a:prstGeom>
-          <a:ln>
-            <a:tailEnd type="triangle"/>
-          </a:ln>
-        </p:spPr>
-        <p:style>
-          <a:lnRef idx="1">
-            <a:schemeClr val="accent1"/>
-          </a:lnRef>
-          <a:fillRef idx="0">
-            <a:schemeClr val="accent1"/>
-          </a:fillRef>
-          <a:effectRef idx="0">
-            <a:schemeClr val="accent1"/>
-          </a:effectRef>
-          <a:fontRef idx="minor">
-            <a:schemeClr val="tx1"/>
-          </a:fontRef>
-        </p:style>
-      </p:cxnSp>
-    </p:spTree>
-    <p:extLst>
-      <p:ext uri="{BB962C8B-B14F-4D97-AF65-F5344CB8AC3E}">
-        <p14:creationId xmlns:p14="http://schemas.microsoft.com/office/powerpoint/2010/main" val="1630419552"/>
-      </p:ext>
-    </p:extLst>
-  </p:cSld>
-  <p:clrMapOvr>
-    <a:masterClrMapping/>
-  </p:clrMapOvr>
-  <p:timing>
-    <p:tnLst>
-      <p:par>
-        <p:cTn id="1" dur="indefinite" restart="never" nodeType="tmRoot"/>
-      </p:par>
-    </p:tnLst>
-  </p:timing>
-</p:sld>
-</file>
-
 <file path=ppt/theme/theme1.xml><?xml version="1.0" encoding="utf-8"?>
 <a:theme xmlns:a="http://schemas.openxmlformats.org/drawingml/2006/main" name="Тема Office">
   <a:themeElements>
